--- a/docs/diagrams/GameManagerStorageClassDiagram.pptx
+++ b/docs/diagrams/GameManagerStorageClassDiagram.pptx
@@ -4932,6 +4932,132 @@
           </a:p>
         </p:txBody>
       </p:sp>
+      <p:sp>
+        <p:nvSpPr>
+          <p:cNvPr id="28" name="Rectangle 8">
+            <a:extLst>
+              <a:ext uri="{FF2B5EF4-FFF2-40B4-BE49-F238E27FC236}">
+                <a16:creationId xmlns:a16="http://schemas.microsoft.com/office/drawing/2014/main" id="{16D79571-5298-4AD6-9821-99B9B5B8AB61}"/>
+              </a:ext>
+            </a:extLst>
+          </p:cNvPr>
+          <p:cNvSpPr/>
+          <p:nvPr/>
+        </p:nvSpPr>
+        <p:spPr>
+          <a:xfrm>
+            <a:off x="5531446" y="2158259"/>
+            <a:ext cx="1315677" cy="346760"/>
+          </a:xfrm>
+          <a:prstGeom prst="rect">
+            <a:avLst/>
+          </a:prstGeom>
+          <a:ln w="19050"/>
+          <a:effectLst/>
+        </p:spPr>
+        <p:style>
+          <a:lnRef idx="1">
+            <a:schemeClr val="accent6"/>
+          </a:lnRef>
+          <a:fillRef idx="2">
+            <a:schemeClr val="accent6"/>
+          </a:fillRef>
+          <a:effectRef idx="1">
+            <a:schemeClr val="accent6"/>
+          </a:effectRef>
+          <a:fontRef idx="minor">
+            <a:schemeClr val="dk1"/>
+          </a:fontRef>
+        </p:style>
+        <p:txBody>
+          <a:bodyPr rtlCol="0" anchor="ctr"/>
+          <a:lstStyle/>
+          <a:p>
+            <a:pPr algn="ctr"/>
+            <a:r>
+              <a:rPr lang="en-US" sz="1050" b="1" dirty="0" err="1">
+                <a:solidFill>
+                  <a:schemeClr val="accent6">
+                    <a:lumMod val="75000"/>
+                  </a:schemeClr>
+                </a:solidFill>
+              </a:rPr>
+              <a:t>XmlAdapted</a:t>
+            </a:r>
+            <a:endParaRPr lang="en-US" sz="1050" b="1" dirty="0">
+              <a:solidFill>
+                <a:schemeClr val="accent6">
+                  <a:lumMod val="75000"/>
+                </a:schemeClr>
+              </a:solidFill>
+            </a:endParaRPr>
+          </a:p>
+          <a:p>
+            <a:pPr algn="ctr"/>
+            <a:r>
+              <a:rPr lang="en-US" sz="1050" b="1" dirty="0" err="1">
+                <a:solidFill>
+                  <a:schemeClr val="accent6">
+                    <a:lumMod val="75000"/>
+                  </a:schemeClr>
+                </a:solidFill>
+              </a:rPr>
+              <a:t>AchievementRecord</a:t>
+            </a:r>
+            <a:endParaRPr lang="en-SG" sz="1050" b="1" dirty="0">
+              <a:solidFill>
+                <a:schemeClr val="accent6">
+                  <a:lumMod val="75000"/>
+                </a:schemeClr>
+              </a:solidFill>
+            </a:endParaRPr>
+          </a:p>
+        </p:txBody>
+      </p:sp>
+      <p:cxnSp>
+        <p:nvCxnSpPr>
+          <p:cNvPr id="30" name="Elbow Connector 122">
+            <a:extLst>
+              <a:ext uri="{FF2B5EF4-FFF2-40B4-BE49-F238E27FC236}">
+                <a16:creationId xmlns:a16="http://schemas.microsoft.com/office/drawing/2014/main" id="{792CB57C-B754-4151-8EA0-5D867BCF48B7}"/>
+              </a:ext>
+            </a:extLst>
+          </p:cNvPr>
+          <p:cNvCxnSpPr/>
+          <p:nvPr/>
+        </p:nvCxnSpPr>
+        <p:spPr>
+          <a:xfrm rot="5400000" flipH="1" flipV="1">
+            <a:off x="5962466" y="2679171"/>
+            <a:ext cx="335208" cy="12700"/>
+          </a:xfrm>
+          <a:prstGeom prst="bentConnector3">
+            <a:avLst>
+              <a:gd name="adj1" fmla="val 50000"/>
+            </a:avLst>
+          </a:prstGeom>
+          <a:ln w="19050">
+            <a:prstDash val="sysDot"/>
+            <a:headEnd type="none" w="med" len="med"/>
+            <a:tailEnd type="arrow" w="med" len="med"/>
+          </a:ln>
+          <a:effectLst/>
+        </p:spPr>
+        <p:style>
+          <a:lnRef idx="1">
+            <a:schemeClr val="accent6"/>
+          </a:lnRef>
+          <a:fillRef idx="2">
+            <a:schemeClr val="accent6"/>
+          </a:fillRef>
+          <a:effectRef idx="1">
+            <a:schemeClr val="accent6"/>
+          </a:effectRef>
+          <a:fontRef idx="minor">
+            <a:schemeClr val="dk1"/>
+          </a:fontRef>
+        </p:style>
+      </p:cxnSp>
     </p:spTree>
     <p:extLst>
       <p:ext uri="{BB962C8B-B14F-4D97-AF65-F5344CB8AC3E}">
